--- a/Vehicle_Rental_Assignment/NUCLEUSTECH PROJECT PPT.pptx
+++ b/Vehicle_Rental_Assignment/NUCLEUSTECH PROJECT PPT.pptx
@@ -12,8 +12,8 @@
     <p:sldId id="260" r:id="rId6"/>
     <p:sldId id="272" r:id="rId7"/>
     <p:sldId id="277" r:id="rId8"/>
-    <p:sldId id="287" r:id="rId9"/>
-    <p:sldId id="285" r:id="rId10"/>
+    <p:sldId id="285" r:id="rId9"/>
+    <p:sldId id="287" r:id="rId10"/>
     <p:sldId id="278" r:id="rId11"/>
     <p:sldId id="279" r:id="rId12"/>
     <p:sldId id="286" r:id="rId13"/>
@@ -5150,6 +5150,116 @@
         <p:cNvPr id="1" name="">
           <a:extLst>
             <a:ext uri="{FF2B5EF4-FFF2-40B4-BE49-F238E27FC236}">
+              <a16:creationId xmlns:a16="http://schemas.microsoft.com/office/drawing/2014/main" id="{C4660DAD-B69B-0595-92E9-227E29021A31}"/>
+            </a:ext>
+          </a:extLst>
+        </p:cNvPr>
+        <p:cNvGrpSpPr/>
+        <p:nvPr/>
+      </p:nvGrpSpPr>
+      <p:grpSpPr>
+        <a:xfrm>
+          <a:off x="0" y="0"/>
+          <a:ext cx="0" cy="0"/>
+          <a:chOff x="0" y="0"/>
+          <a:chExt cx="0" cy="0"/>
+        </a:xfrm>
+      </p:grpSpPr>
+      <p:sp>
+        <p:nvSpPr>
+          <p:cNvPr id="2" name="Title 1">
+            <a:extLst>
+              <a:ext uri="{FF2B5EF4-FFF2-40B4-BE49-F238E27FC236}">
+                <a16:creationId xmlns:a16="http://schemas.microsoft.com/office/drawing/2014/main" id="{B52DB38C-0325-DD92-BB1C-DD4AB10FBBB3}"/>
+              </a:ext>
+            </a:extLst>
+          </p:cNvPr>
+          <p:cNvSpPr>
+            <a:spLocks noGrp="1"/>
+          </p:cNvSpPr>
+          <p:nvPr>
+            <p:ph type="title"/>
+          </p:nvPr>
+        </p:nvSpPr>
+        <p:spPr>
+          <a:xfrm>
+            <a:off x="1399903" y="468085"/>
+            <a:ext cx="10149840" cy="794657"/>
+          </a:xfrm>
+          <a:noFill/>
+        </p:spPr>
+        <p:txBody>
+          <a:bodyPr anchor="t" anchorCtr="0">
+            <a:noAutofit/>
+          </a:bodyPr>
+          <a:lstStyle/>
+          <a:p>
+            <a:pPr algn="ctr"/>
+            <a:r>
+              <a:rPr lang="en-US" dirty="0"/>
+              <a:t>FEATURES- 1. login page</a:t>
+            </a:r>
+            <a:br>
+              <a:rPr lang="en-US" dirty="0"/>
+            </a:br>
+            <a:br>
+              <a:rPr lang="en-US" dirty="0"/>
+            </a:br>
+            <a:endParaRPr lang="en-US" dirty="0"/>
+          </a:p>
+        </p:txBody>
+      </p:sp>
+      <p:pic>
+        <p:nvPicPr>
+          <p:cNvPr id="7" name="Picture 6">
+            <a:extLst>
+              <a:ext uri="{FF2B5EF4-FFF2-40B4-BE49-F238E27FC236}">
+                <a16:creationId xmlns:a16="http://schemas.microsoft.com/office/drawing/2014/main" id="{AB927C20-A07A-B1E6-5F8C-D0EBBC8C9CBE}"/>
+              </a:ext>
+            </a:extLst>
+          </p:cNvPr>
+          <p:cNvPicPr>
+            <a:picLocks noChangeAspect="1"/>
+          </p:cNvPicPr>
+          <p:nvPr/>
+        </p:nvPicPr>
+        <p:blipFill>
+          <a:blip r:embed="rId2"/>
+          <a:stretch>
+            <a:fillRect/>
+          </a:stretch>
+        </p:blipFill>
+        <p:spPr>
+          <a:xfrm>
+            <a:off x="757646" y="1384663"/>
+            <a:ext cx="11434354" cy="5473338"/>
+          </a:xfrm>
+          <a:prstGeom prst="rect">
+            <a:avLst/>
+          </a:prstGeom>
+        </p:spPr>
+      </p:pic>
+    </p:spTree>
+    <p:extLst>
+      <p:ext uri="{BB962C8B-B14F-4D97-AF65-F5344CB8AC3E}">
+        <p14:creationId xmlns:p14="http://schemas.microsoft.com/office/powerpoint/2010/main" val="3866895593"/>
+      </p:ext>
+    </p:extLst>
+  </p:cSld>
+  <p:clrMapOvr>
+    <a:masterClrMapping/>
+  </p:clrMapOvr>
+</p:sld>
+</file>
+
+<file path=ppt/slides/slide6.xml><?xml version="1.0" encoding="utf-8"?>
+<p:sld xmlns:a="http://schemas.openxmlformats.org/drawingml/2006/main" xmlns:r="http://schemas.openxmlformats.org/officeDocument/2006/relationships" xmlns:p="http://schemas.openxmlformats.org/presentationml/2006/main">
+  <p:cSld>
+    <p:spTree>
+      <p:nvGrpSpPr>
+        <p:cNvPr id="1" name="">
+          <a:extLst>
+            <a:ext uri="{FF2B5EF4-FFF2-40B4-BE49-F238E27FC236}">
               <a16:creationId xmlns:a16="http://schemas.microsoft.com/office/drawing/2014/main" id="{2B8B1896-6476-0114-9420-05F2D042BEB2}"/>
             </a:ext>
           </a:extLst>
@@ -5236,116 +5346,6 @@
     <p:extLst>
       <p:ext uri="{BB962C8B-B14F-4D97-AF65-F5344CB8AC3E}">
         <p14:creationId xmlns:p14="http://schemas.microsoft.com/office/powerpoint/2010/main" val="961592766"/>
-      </p:ext>
-    </p:extLst>
-  </p:cSld>
-  <p:clrMapOvr>
-    <a:masterClrMapping/>
-  </p:clrMapOvr>
-</p:sld>
-</file>
-
-<file path=ppt/slides/slide6.xml><?xml version="1.0" encoding="utf-8"?>
-<p:sld xmlns:a="http://schemas.openxmlformats.org/drawingml/2006/main" xmlns:r="http://schemas.openxmlformats.org/officeDocument/2006/relationships" xmlns:p="http://schemas.openxmlformats.org/presentationml/2006/main">
-  <p:cSld>
-    <p:spTree>
-      <p:nvGrpSpPr>
-        <p:cNvPr id="1" name="">
-          <a:extLst>
-            <a:ext uri="{FF2B5EF4-FFF2-40B4-BE49-F238E27FC236}">
-              <a16:creationId xmlns:a16="http://schemas.microsoft.com/office/drawing/2014/main" id="{C4660DAD-B69B-0595-92E9-227E29021A31}"/>
-            </a:ext>
-          </a:extLst>
-        </p:cNvPr>
-        <p:cNvGrpSpPr/>
-        <p:nvPr/>
-      </p:nvGrpSpPr>
-      <p:grpSpPr>
-        <a:xfrm>
-          <a:off x="0" y="0"/>
-          <a:ext cx="0" cy="0"/>
-          <a:chOff x="0" y="0"/>
-          <a:chExt cx="0" cy="0"/>
-        </a:xfrm>
-      </p:grpSpPr>
-      <p:sp>
-        <p:nvSpPr>
-          <p:cNvPr id="2" name="Title 1">
-            <a:extLst>
-              <a:ext uri="{FF2B5EF4-FFF2-40B4-BE49-F238E27FC236}">
-                <a16:creationId xmlns:a16="http://schemas.microsoft.com/office/drawing/2014/main" id="{B52DB38C-0325-DD92-BB1C-DD4AB10FBBB3}"/>
-              </a:ext>
-            </a:extLst>
-          </p:cNvPr>
-          <p:cNvSpPr>
-            <a:spLocks noGrp="1"/>
-          </p:cNvSpPr>
-          <p:nvPr>
-            <p:ph type="title"/>
-          </p:nvPr>
-        </p:nvSpPr>
-        <p:spPr>
-          <a:xfrm>
-            <a:off x="1399903" y="468085"/>
-            <a:ext cx="10149840" cy="794657"/>
-          </a:xfrm>
-          <a:noFill/>
-        </p:spPr>
-        <p:txBody>
-          <a:bodyPr anchor="t" anchorCtr="0">
-            <a:noAutofit/>
-          </a:bodyPr>
-          <a:lstStyle/>
-          <a:p>
-            <a:pPr algn="ctr"/>
-            <a:r>
-              <a:rPr lang="en-US" dirty="0"/>
-              <a:t>FEATURES- 1. login page</a:t>
-            </a:r>
-            <a:br>
-              <a:rPr lang="en-US" dirty="0"/>
-            </a:br>
-            <a:br>
-              <a:rPr lang="en-US" dirty="0"/>
-            </a:br>
-            <a:endParaRPr lang="en-US" dirty="0"/>
-          </a:p>
-        </p:txBody>
-      </p:sp>
-      <p:pic>
-        <p:nvPicPr>
-          <p:cNvPr id="7" name="Picture 6">
-            <a:extLst>
-              <a:ext uri="{FF2B5EF4-FFF2-40B4-BE49-F238E27FC236}">
-                <a16:creationId xmlns:a16="http://schemas.microsoft.com/office/drawing/2014/main" id="{AB927C20-A07A-B1E6-5F8C-D0EBBC8C9CBE}"/>
-              </a:ext>
-            </a:extLst>
-          </p:cNvPr>
-          <p:cNvPicPr>
-            <a:picLocks noChangeAspect="1"/>
-          </p:cNvPicPr>
-          <p:nvPr/>
-        </p:nvPicPr>
-        <p:blipFill>
-          <a:blip r:embed="rId2"/>
-          <a:stretch>
-            <a:fillRect/>
-          </a:stretch>
-        </p:blipFill>
-        <p:spPr>
-          <a:xfrm>
-            <a:off x="757646" y="1384663"/>
-            <a:ext cx="11434354" cy="5473338"/>
-          </a:xfrm>
-          <a:prstGeom prst="rect">
-            <a:avLst/>
-          </a:prstGeom>
-        </p:spPr>
-      </p:pic>
-    </p:spTree>
-    <p:extLst>
-      <p:ext uri="{BB962C8B-B14F-4D97-AF65-F5344CB8AC3E}">
-        <p14:creationId xmlns:p14="http://schemas.microsoft.com/office/powerpoint/2010/main" val="3866895593"/>
       </p:ext>
     </p:extLst>
   </p:cSld>
@@ -6222,6 +6222,35 @@
 </file>
 
 <file path=customXml/item1.xml><?xml version="1.0" encoding="utf-8"?>
+<p:properties xmlns:p="http://schemas.microsoft.com/office/2006/metadata/properties" xmlns:xsi="http://www.w3.org/2001/XMLSchema-instance" xmlns:pc="http://schemas.microsoft.com/office/infopath/2007/PartnerControls">
+  <documentManagement>
+    <MediaServiceKeyPoints xmlns="71af3243-3dd4-4a8d-8c0d-dd76da1f02a5" xsi:nil="true"/>
+    <_ip_UnifiedCompliancePolicyUIAction xmlns="http://schemas.microsoft.com/sharepoint/v3" xsi:nil="true"/>
+    <Image xmlns="71af3243-3dd4-4a8d-8c0d-dd76da1f02a5">
+      <Url xsi:nil="true"/>
+      <Description xsi:nil="true"/>
+    </Image>
+    <Status xmlns="71af3243-3dd4-4a8d-8c0d-dd76da1f02a5">Not started</Status>
+    <Background xmlns="71af3243-3dd4-4a8d-8c0d-dd76da1f02a5">false</Background>
+    <_ip_UnifiedCompliancePolicyProperties xmlns="http://schemas.microsoft.com/sharepoint/v3" xsi:nil="true"/>
+    <ImageTagsTaxHTField xmlns="71af3243-3dd4-4a8d-8c0d-dd76da1f02a5">
+      <Terms xmlns="http://schemas.microsoft.com/office/infopath/2007/PartnerControls"/>
+    </ImageTagsTaxHTField>
+    <TaxCatchAll xmlns="230e9df3-be65-4c73-a93b-d1236ebd677e" xsi:nil="true"/>
+  </documentManagement>
+</p:properties>
+</file>
+
+<file path=customXml/item2.xml><?xml version="1.0" encoding="utf-8"?>
+<?mso-contentType ?>
+<FormTemplates xmlns="http://schemas.microsoft.com/sharepoint/v3/contenttype/forms">
+  <Display>DocumentLibraryForm</Display>
+  <Edit>DocumentLibraryForm</Edit>
+  <New>DocumentLibraryForm</New>
+</FormTemplates>
+</file>
+
+<file path=customXml/item3.xml><?xml version="1.0" encoding="utf-8"?>
 <ct:contentTypeSchema xmlns:ct="http://schemas.microsoft.com/office/2006/metadata/contentType" xmlns:ma="http://schemas.microsoft.com/office/2006/metadata/properties/metaAttributes" ct:_="" ma:_="" ma:contentTypeName="Document" ma:contentTypeID="0x01010079F111ED35F8CC479449609E8A0923A6" ma:contentTypeVersion="30" ma:contentTypeDescription="Create a new document." ma:contentTypeScope="" ma:versionID="cec0622158e8f13124e9e8fd4de31bd1">
   <xsd:schema xmlns:xsd="http://www.w3.org/2001/XMLSchema" xmlns:xs="http://www.w3.org/2001/XMLSchema" xmlns:p="http://schemas.microsoft.com/office/2006/metadata/properties" xmlns:ns1="http://schemas.microsoft.com/sharepoint/v3" xmlns:ns2="71af3243-3dd4-4a8d-8c0d-dd76da1f02a5" xmlns:ns3="16c05727-aa75-4e4a-9b5f-8a80a1165891" xmlns:ns4="230e9df3-be65-4c73-a93b-d1236ebd677e" targetNamespace="http://schemas.microsoft.com/office/2006/metadata/properties" ma:root="true" ma:fieldsID="3b52f30ab005d15df08657af532e6e38" ns1:_="" ns2:_="" ns3:_="" ns4:_="">
     <xsd:import namespace="http://schemas.microsoft.com/sharepoint/v3"/>
@@ -6539,36 +6568,27 @@
 </ct:contentTypeSchema>
 </file>
 
-<file path=customXml/item2.xml><?xml version="1.0" encoding="utf-8"?>
-<?mso-contentType ?>
-<FormTemplates xmlns="http://schemas.microsoft.com/sharepoint/v3/contenttype/forms">
-  <Display>DocumentLibraryForm</Display>
-  <Edit>DocumentLibraryForm</Edit>
-  <New>DocumentLibraryForm</New>
-</FormTemplates>
+<file path=customXml/itemProps1.xml><?xml version="1.0" encoding="utf-8"?>
+<ds:datastoreItem xmlns:ds="http://schemas.openxmlformats.org/officeDocument/2006/customXml" ds:itemID="{3FD9A38F-9A2C-42E5-9013-4C4B1FFCB4F6}">
+  <ds:schemaRefs>
+    <ds:schemaRef ds:uri="http://schemas.microsoft.com/office/2006/metadata/properties"/>
+    <ds:schemaRef ds:uri="http://schemas.microsoft.com/office/infopath/2007/PartnerControls"/>
+    <ds:schemaRef ds:uri="71af3243-3dd4-4a8d-8c0d-dd76da1f02a5"/>
+    <ds:schemaRef ds:uri="http://schemas.microsoft.com/sharepoint/v3"/>
+    <ds:schemaRef ds:uri="230e9df3-be65-4c73-a93b-d1236ebd677e"/>
+  </ds:schemaRefs>
+</ds:datastoreItem>
 </file>
 
-<file path=customXml/item3.xml><?xml version="1.0" encoding="utf-8"?>
-<p:properties xmlns:p="http://schemas.microsoft.com/office/2006/metadata/properties" xmlns:xsi="http://www.w3.org/2001/XMLSchema-instance" xmlns:pc="http://schemas.microsoft.com/office/infopath/2007/PartnerControls">
-  <documentManagement>
-    <MediaServiceKeyPoints xmlns="71af3243-3dd4-4a8d-8c0d-dd76da1f02a5" xsi:nil="true"/>
-    <_ip_UnifiedCompliancePolicyUIAction xmlns="http://schemas.microsoft.com/sharepoint/v3" xsi:nil="true"/>
-    <Image xmlns="71af3243-3dd4-4a8d-8c0d-dd76da1f02a5">
-      <Url xsi:nil="true"/>
-      <Description xsi:nil="true"/>
-    </Image>
-    <Status xmlns="71af3243-3dd4-4a8d-8c0d-dd76da1f02a5">Not started</Status>
-    <Background xmlns="71af3243-3dd4-4a8d-8c0d-dd76da1f02a5">false</Background>
-    <_ip_UnifiedCompliancePolicyProperties xmlns="http://schemas.microsoft.com/sharepoint/v3" xsi:nil="true"/>
-    <ImageTagsTaxHTField xmlns="71af3243-3dd4-4a8d-8c0d-dd76da1f02a5">
-      <Terms xmlns="http://schemas.microsoft.com/office/infopath/2007/PartnerControls"/>
-    </ImageTagsTaxHTField>
-    <TaxCatchAll xmlns="230e9df3-be65-4c73-a93b-d1236ebd677e" xsi:nil="true"/>
-  </documentManagement>
-</p:properties>
+<file path=customXml/itemProps2.xml><?xml version="1.0" encoding="utf-8"?>
+<ds:datastoreItem xmlns:ds="http://schemas.openxmlformats.org/officeDocument/2006/customXml" ds:itemID="{8C45FB24-BEC6-4D44-888B-84AEBBA2DC09}">
+  <ds:schemaRefs>
+    <ds:schemaRef ds:uri="http://schemas.microsoft.com/sharepoint/v3/contenttype/forms"/>
+  </ds:schemaRefs>
+</ds:datastoreItem>
 </file>
 
-<file path=customXml/itemProps1.xml><?xml version="1.0" encoding="utf-8"?>
+<file path=customXml/itemProps3.xml><?xml version="1.0" encoding="utf-8"?>
 <ds:datastoreItem xmlns:ds="http://schemas.openxmlformats.org/officeDocument/2006/customXml" ds:itemID="{D7EE0834-CC23-43E5-9706-A0904E34105D}">
   <ds:schemaRefs>
     <ds:schemaRef ds:uri="http://schemas.microsoft.com/office/2006/metadata/contentType"/>
@@ -6589,26 +6609,6 @@
 </ds:datastoreItem>
 </file>
 
-<file path=customXml/itemProps2.xml><?xml version="1.0" encoding="utf-8"?>
-<ds:datastoreItem xmlns:ds="http://schemas.openxmlformats.org/officeDocument/2006/customXml" ds:itemID="{8C45FB24-BEC6-4D44-888B-84AEBBA2DC09}">
-  <ds:schemaRefs>
-    <ds:schemaRef ds:uri="http://schemas.microsoft.com/sharepoint/v3/contenttype/forms"/>
-  </ds:schemaRefs>
-</ds:datastoreItem>
-</file>
-
-<file path=customXml/itemProps3.xml><?xml version="1.0" encoding="utf-8"?>
-<ds:datastoreItem xmlns:ds="http://schemas.openxmlformats.org/officeDocument/2006/customXml" ds:itemID="{3FD9A38F-9A2C-42E5-9013-4C4B1FFCB4F6}">
-  <ds:schemaRefs>
-    <ds:schemaRef ds:uri="http://schemas.microsoft.com/office/2006/metadata/properties"/>
-    <ds:schemaRef ds:uri="http://schemas.microsoft.com/office/infopath/2007/PartnerControls"/>
-    <ds:schemaRef ds:uri="71af3243-3dd4-4a8d-8c0d-dd76da1f02a5"/>
-    <ds:schemaRef ds:uri="http://schemas.microsoft.com/sharepoint/v3"/>
-    <ds:schemaRef ds:uri="230e9df3-be65-4c73-a93b-d1236ebd677e"/>
-  </ds:schemaRefs>
-</ds:datastoreItem>
-</file>
-
 <file path=docMetadata/LabelInfo.xml><?xml version="1.0" encoding="utf-8"?>
 <clbl:labelList xmlns:clbl="http://schemas.microsoft.com/office/2020/mipLabelMetadata"/>
 </file>